--- a/Abgabe/Hoffentlich reicht‘s.pptx
+++ b/Abgabe/Hoffentlich reicht‘s.pptx
@@ -820,7 +820,7 @@
           <a:p>
             <a:fld id="{5A069CB8-F204-4D06-B913-C5A26A89888A}" type="datetimeFigureOut">
               <a:rPr lang="en-US" dirty="0"/>
-              <a:t>5/12/2020</a:t>
+              <a:t>5/13/2020</a:t>
             </a:fld>
             <a:endParaRPr lang="en-US" dirty="0"/>
           </a:p>
@@ -1023,7 +1023,7 @@
           <a:p>
             <a:fld id="{50B6E300-0A13-4A81-945A-7333C271A069}" type="datetimeFigureOut">
               <a:rPr lang="en-US" dirty="0"/>
-              <a:t>5/12/2020</a:t>
+              <a:t>5/13/2020</a:t>
             </a:fld>
             <a:endParaRPr lang="en-US" dirty="0"/>
           </a:p>
@@ -1274,7 +1274,7 @@
           <a:p>
             <a:fld id="{34671962-1EA4-46E7-BCB0-F36CE46D1A59}" type="datetimeFigureOut">
               <a:rPr lang="en-US" dirty="0"/>
-              <a:t>5/12/2020</a:t>
+              <a:t>5/13/2020</a:t>
             </a:fld>
             <a:endParaRPr lang="en-US" dirty="0"/>
           </a:p>
@@ -1439,7 +1439,7 @@
           <a:p>
             <a:fld id="{D30BB376-B19C-488D-ABEB-03C7E6E9E3E0}" type="datetimeFigureOut">
               <a:rPr lang="en-US" dirty="0"/>
-              <a:t>5/12/2020</a:t>
+              <a:t>5/13/2020</a:t>
             </a:fld>
             <a:endParaRPr lang="en-US" dirty="0"/>
           </a:p>
@@ -1777,7 +1777,7 @@
           <a:p>
             <a:fld id="{486F077B-A50F-4D64-8574-E2D6A98A5553}" type="datetimeFigureOut">
               <a:rPr lang="en-US" dirty="0"/>
-              <a:t>5/12/2020</a:t>
+              <a:t>5/13/2020</a:t>
             </a:fld>
             <a:endParaRPr lang="en-US" dirty="0"/>
           </a:p>
@@ -2047,7 +2047,7 @@
           <a:p>
             <a:fld id="{7D9E2A62-1983-43A1-A163-D8AA46534C80}" type="datetimeFigureOut">
               <a:rPr lang="en-US" dirty="0"/>
-              <a:t>5/12/2020</a:t>
+              <a:t>5/13/2020</a:t>
             </a:fld>
             <a:endParaRPr lang="en-US" dirty="0"/>
           </a:p>
@@ -2421,7 +2421,7 @@
           <a:p>
             <a:fld id="{898F3E3B-34E3-4345-B2A1-994B83598A9C}" type="datetimeFigureOut">
               <a:rPr lang="en-US" dirty="0"/>
-              <a:t>5/12/2020</a:t>
+              <a:t>5/13/2020</a:t>
             </a:fld>
             <a:endParaRPr lang="en-US" dirty="0"/>
           </a:p>
@@ -2534,7 +2534,7 @@
           <a:p>
             <a:fld id="{FD816C96-82A1-4D77-8ADA-627AC6FE3D65}" type="datetimeFigureOut">
               <a:rPr lang="en-US" dirty="0"/>
-              <a:t>5/12/2020</a:t>
+              <a:t>5/13/2020</a:t>
             </a:fld>
             <a:endParaRPr lang="en-US" dirty="0"/>
           </a:p>
@@ -2700,7 +2700,7 @@
           <a:p>
             <a:fld id="{1D102C1E-28F2-47E9-802D-339E64E2F920}" type="datetimeFigureOut">
               <a:rPr lang="en-US" dirty="0"/>
-              <a:t>5/12/2020</a:t>
+              <a:t>5/13/2020</a:t>
             </a:fld>
             <a:endParaRPr lang="en-US" dirty="0"/>
           </a:p>
@@ -3050,7 +3050,7 @@
           <a:p>
             <a:fld id="{24271A48-F18A-45B3-BC05-1E27DA3F88AF}" type="datetimeFigureOut">
               <a:rPr lang="en-US" dirty="0"/>
-              <a:t>5/12/2020</a:t>
+              <a:t>5/13/2020</a:t>
             </a:fld>
             <a:endParaRPr lang="en-US" dirty="0"/>
           </a:p>
@@ -3423,7 +3423,7 @@
           <a:p>
             <a:fld id="{65B747F8-9654-4282-85D2-65F41AAE7A75}" type="datetimeFigureOut">
               <a:rPr lang="en-US" dirty="0"/>
-              <a:t>5/12/2020</a:t>
+              <a:t>5/13/2020</a:t>
             </a:fld>
             <a:endParaRPr lang="en-US" dirty="0"/>
           </a:p>
@@ -3705,7 +3705,7 @@
           <a:p>
             <a:fld id="{5DC5B261-8843-42D1-AAFC-05E20E2D9B97}" type="datetimeFigureOut">
               <a:rPr lang="en-US" dirty="0"/>
-              <a:t>5/12/2020</a:t>
+              <a:t>5/13/2020</a:t>
             </a:fld>
             <a:endParaRPr lang="en-US" dirty="0"/>
           </a:p>
@@ -4385,6 +4385,22 @@
             </a:r>
           </a:p>
           <a:p>
+            <a:pPr marL="0" indent="0">
+              <a:buNone/>
+            </a:pPr>
+            <a:endParaRPr lang="de-DE" dirty="0"/>
+          </a:p>
+          <a:p>
+            <a:pPr>
+              <a:buFont typeface="Arial" panose="020B0604020202020204" pitchFamily="34" charset="0"/>
+              <a:buChar char="•"/>
+            </a:pPr>
+            <a:r>
+              <a:rPr lang="de-DE" dirty="0"/>
+              <a:t>Übersichtlichkeit durch Kategorien</a:t>
+            </a:r>
+          </a:p>
+          <a:p>
             <a:pPr>
               <a:buFont typeface="Arial" panose="020B0604020202020204" pitchFamily="34" charset="0"/>
               <a:buChar char="•"/>
@@ -4398,45 +4414,17 @@
             </a:pPr>
             <a:r>
               <a:rPr lang="de-DE" dirty="0"/>
+              <a:t>Warnfunktionen bei Überzug und Überschreitung der Durchschnittsausgaben</a:t>
+            </a:r>
+          </a:p>
+          <a:p>
+            <a:endParaRPr lang="de-DE" dirty="0"/>
+          </a:p>
+          <a:p>
+            <a:r>
+              <a:rPr lang="de-DE"/>
               <a:t>Ausgelegt auf Studenten</a:t>
             </a:r>
-          </a:p>
-          <a:p>
-            <a:pPr>
-              <a:buFont typeface="Arial" panose="020B0604020202020204" pitchFamily="34" charset="0"/>
-              <a:buChar char="•"/>
-            </a:pPr>
-            <a:endParaRPr lang="de-DE" dirty="0"/>
-          </a:p>
-          <a:p>
-            <a:pPr>
-              <a:buFont typeface="Arial" panose="020B0604020202020204" pitchFamily="34" charset="0"/>
-              <a:buChar char="•"/>
-            </a:pPr>
-            <a:r>
-              <a:rPr lang="de-DE" dirty="0"/>
-              <a:t>Übersichtlichkeit durch Kategorien</a:t>
-            </a:r>
-          </a:p>
-          <a:p>
-            <a:pPr>
-              <a:buFont typeface="Arial" panose="020B0604020202020204" pitchFamily="34" charset="0"/>
-              <a:buChar char="•"/>
-            </a:pPr>
-            <a:endParaRPr lang="de-DE" dirty="0"/>
-          </a:p>
-          <a:p>
-            <a:pPr>
-              <a:buFont typeface="Arial" panose="020B0604020202020204" pitchFamily="34" charset="0"/>
-              <a:buChar char="•"/>
-            </a:pPr>
-            <a:r>
-              <a:rPr lang="de-DE" dirty="0"/>
-              <a:t>Warnfunktionen bei Überzug und Überschreitung der Durchschnittsausgaben</a:t>
-            </a:r>
-          </a:p>
-          <a:p>
-            <a:endParaRPr lang="de-DE" dirty="0"/>
           </a:p>
           <a:p>
             <a:endParaRPr lang="de-DE" dirty="0"/>
